--- a/slides/template.pptx
+++ b/slides/template.pptx
@@ -210,7 +210,7 @@
           <a:p>
             <a:fld id="{D9500718-4FBC-4E31-9C3A-AC9EBADDB60B}" type="datetimeFigureOut">
               <a:rPr kumimoji="1" lang="ja-JP" altLang="en-US" smtClean="0"/>
-              <a:t>2023/10/14</a:t>
+              <a:t>2023/11/17</a:t>
             </a:fld>
             <a:endParaRPr kumimoji="1" lang="ja-JP" altLang="en-US"/>
           </a:p>
@@ -743,7 +743,7 @@
           <a:p>
             <a:fld id="{C87CDC4B-5B88-4ECC-B3C6-9A2DD5C6CC04}" type="datetime1">
               <a:rPr kumimoji="1" lang="ja-JP" altLang="en-US" smtClean="0"/>
-              <a:t>2023/10/14</a:t>
+              <a:t>2023/11/17</a:t>
             </a:fld>
             <a:endParaRPr kumimoji="1" lang="ja-JP" altLang="en-US"/>
           </a:p>
@@ -973,7 +973,7 @@
           <a:p>
             <a:fld id="{2E09557C-DF8E-46BA-A2BA-6B6DE1D94BE2}" type="datetime1">
               <a:rPr kumimoji="1" lang="ja-JP" altLang="en-US" smtClean="0"/>
-              <a:t>2023/10/14</a:t>
+              <a:t>2023/11/17</a:t>
             </a:fld>
             <a:endParaRPr kumimoji="1" lang="ja-JP" altLang="en-US"/>
           </a:p>
@@ -1213,7 +1213,7 @@
           <a:p>
             <a:fld id="{D16A5680-E4A1-432C-961F-7EC5001EC7DB}" type="datetime1">
               <a:rPr kumimoji="1" lang="ja-JP" altLang="en-US" smtClean="0"/>
-              <a:t>2023/10/14</a:t>
+              <a:t>2023/11/17</a:t>
             </a:fld>
             <a:endParaRPr kumimoji="1" lang="ja-JP" altLang="en-US"/>
           </a:p>
@@ -1476,7 +1476,7 @@
           <a:p>
             <a:fld id="{02EFCB4D-8280-447A-8C12-6B827BF2CF9D}" type="datetime1">
               <a:rPr kumimoji="1" lang="ja-JP" altLang="en-US" smtClean="0"/>
-              <a:t>2023/10/14</a:t>
+              <a:t>2023/11/17</a:t>
             </a:fld>
             <a:endParaRPr kumimoji="1" lang="ja-JP" altLang="en-US"/>
           </a:p>
@@ -1751,7 +1751,7 @@
           <a:p>
             <a:fld id="{D2389E95-809C-4AEC-AA0B-C1A732502BEE}" type="datetime1">
               <a:rPr kumimoji="1" lang="ja-JP" altLang="en-US" smtClean="0"/>
-              <a:t>2023/10/14</a:t>
+              <a:t>2023/11/17</a:t>
             </a:fld>
             <a:endParaRPr kumimoji="1" lang="ja-JP" altLang="en-US"/>
           </a:p>
@@ -2205,7 +2205,7 @@
           <a:p>
             <a:fld id="{A2116540-A122-4F6D-AD68-1FFE3F1E4882}" type="datetime1">
               <a:rPr kumimoji="1" lang="ja-JP" altLang="en-US" smtClean="0"/>
-              <a:t>2023/10/14</a:t>
+              <a:t>2023/11/17</a:t>
             </a:fld>
             <a:endParaRPr kumimoji="1" lang="ja-JP" altLang="en-US"/>
           </a:p>
@@ -2681,7 +2681,7 @@
           <a:p>
             <a:fld id="{A0A1FEB1-2C5C-4487-9D42-0C0A37E0923D}" type="datetime1">
               <a:rPr kumimoji="1" lang="ja-JP" altLang="en-US" smtClean="0"/>
-              <a:t>2023/10/14</a:t>
+              <a:t>2023/11/17</a:t>
             </a:fld>
             <a:endParaRPr kumimoji="1" lang="ja-JP" altLang="en-US"/>
           </a:p>
@@ -2822,7 +2822,7 @@
           <a:p>
             <a:fld id="{83E941D6-5168-4659-8993-EB4B84FB0430}" type="datetime1">
               <a:rPr kumimoji="1" lang="ja-JP" altLang="en-US" smtClean="0"/>
-              <a:t>2023/10/14</a:t>
+              <a:t>2023/11/17</a:t>
             </a:fld>
             <a:endParaRPr kumimoji="1" lang="ja-JP" altLang="en-US"/>
           </a:p>
@@ -2935,7 +2935,7 @@
           <a:p>
             <a:fld id="{A86355F9-67A9-4229-B5B4-6369D198639D}" type="datetime1">
               <a:rPr kumimoji="1" lang="ja-JP" altLang="en-US" smtClean="0"/>
-              <a:t>2023/10/14</a:t>
+              <a:t>2023/11/17</a:t>
             </a:fld>
             <a:endParaRPr kumimoji="1" lang="ja-JP" altLang="en-US"/>
           </a:p>
@@ -3278,7 +3278,7 @@
           <a:p>
             <a:fld id="{897850C7-702E-477D-A3DE-9F95F84CF2EA}" type="datetime1">
               <a:rPr kumimoji="1" lang="ja-JP" altLang="en-US" smtClean="0"/>
-              <a:t>2023/10/14</a:t>
+              <a:t>2023/11/17</a:t>
             </a:fld>
             <a:endParaRPr kumimoji="1" lang="ja-JP" altLang="en-US"/>
           </a:p>
@@ -3566,7 +3566,7 @@
           <a:p>
             <a:fld id="{D7C62CBA-FF0C-46E1-B7FD-62C9AC38A20A}" type="datetime1">
               <a:rPr kumimoji="1" lang="ja-JP" altLang="en-US" smtClean="0"/>
-              <a:t>2023/10/14</a:t>
+              <a:t>2023/11/17</a:t>
             </a:fld>
             <a:endParaRPr kumimoji="1" lang="ja-JP" altLang="en-US"/>
           </a:p>
@@ -3839,7 +3839,7 @@
           <a:p>
             <a:fld id="{AA04013C-20FC-421A-9C53-D5D4DBDADA57}" type="datetime1">
               <a:rPr lang="ja-JP" altLang="en-US" smtClean="0"/>
-              <a:t>2023/10/14</a:t>
+              <a:t>2023/11/17</a:t>
             </a:fld>
             <a:endParaRPr lang="ja-JP" altLang="en-US" dirty="0"/>
           </a:p>
@@ -4850,7 +4850,9 @@
             </p:nvSpPr>
             <p:spPr/>
             <p:txBody>
-              <a:bodyPr/>
+              <a:bodyPr>
+                <a:normAutofit/>
+              </a:bodyPr>
               <a:lstStyle/>
               <a:p>
                 <a14:m>
@@ -4937,15 +4939,55 @@
                       <a:srgbClr val="355D7E"/>
                     </a:solidFill>
                   </a:rPr>
-                  <a:t>ソースコードを乗せる場合は，</a:t>
+                  <a:t>ソースコードを乗せる</a:t>
                 </a:r>
                 <a:r>
-                  <a:rPr kumimoji="1" lang="en-US" altLang="ja-JP" dirty="0">
+                  <a:rPr kumimoji="1" lang="ja-JP" altLang="en-US">
                     <a:solidFill>
                       <a:srgbClr val="355D7E"/>
                     </a:solidFill>
                   </a:rPr>
-                  <a:t>Noto Sans JP </a:t>
+                  <a:t>場合は</a:t>
+                </a:r>
+                <a:r>
+                  <a:rPr lang="en-US" altLang="ja-JP">
+                    <a:solidFill>
+                      <a:srgbClr val="355D7E"/>
+                    </a:solidFill>
+                  </a:rPr>
+                  <a:t>Source</a:t>
+                </a:r>
+                <a:r>
+                  <a:rPr lang="ja-JP" altLang="en-US" dirty="0">
+                    <a:solidFill>
+                      <a:srgbClr val="355D7E"/>
+                    </a:solidFill>
+                  </a:rPr>
+                  <a:t> </a:t>
+                </a:r>
+                <a:r>
+                  <a:rPr lang="en-US" altLang="ja-JP" dirty="0">
+                    <a:solidFill>
+                      <a:srgbClr val="355D7E"/>
+                    </a:solidFill>
+                  </a:rPr>
+                  <a:t>Code</a:t>
+                </a:r>
+                <a:r>
+                  <a:rPr lang="ja-JP" altLang="en-US" dirty="0">
+                    <a:solidFill>
+                      <a:srgbClr val="355D7E"/>
+                    </a:solidFill>
+                  </a:rPr>
+                  <a:t> </a:t>
+                </a:r>
+                <a:r>
+                  <a:rPr lang="en-US" altLang="ja-JP" dirty="0">
+                    <a:solidFill>
+                      <a:srgbClr val="355D7E"/>
+                    </a:solidFill>
+                  </a:rPr>
+                  <a:t>Pro</a:t>
                 </a:r>
                 <a:r>
                   <a:rPr kumimoji="1" lang="ja-JP" altLang="en-US" dirty="0">
@@ -4995,23 +5037,15 @@
                       <a:schemeClr val="tx1"/>
                     </a:solidFill>
                   </a:rPr>
-                  <a:t>			</a:t>
-                </a:r>
-                <a:r>
-                  <a:rPr lang="ja-JP" altLang="en-US" sz="2000" dirty="0">
-                    <a:solidFill>
-                      <a:schemeClr val="tx1"/>
-                    </a:solidFill>
-                  </a:rPr>
-                  <a:t>　　　</a:t>
+                  <a:t>		           </a:t>
                 </a:r>
                 <a:r>
                   <a:rPr lang="en-US" altLang="ja-JP" sz="2000" dirty="0">
                     <a:solidFill>
                       <a:schemeClr val="tx1"/>
                     </a:solidFill>
-                    <a:latin typeface="Noto Sans JP" panose="020B0500000000000000" pitchFamily="34" charset="-128"/>
-                    <a:ea typeface="Noto Sans JP" panose="020B0500000000000000" pitchFamily="34" charset="-128"/>
+                    <a:latin typeface="Source Code Pro" panose="020B0309030403020204" pitchFamily="49" charset="0"/>
+                    <a:ea typeface="Source Code Pro" panose="020B0309030403020204" pitchFamily="49" charset="0"/>
                   </a:rPr>
                   <a:t>#include &lt;</a:t>
                 </a:r>
@@ -5020,8 +5054,8 @@
                     <a:solidFill>
                       <a:schemeClr val="tx1"/>
                     </a:solidFill>
-                    <a:latin typeface="Noto Sans JP" panose="020B0500000000000000" pitchFamily="34" charset="-128"/>
-                    <a:ea typeface="Noto Sans JP" panose="020B0500000000000000" pitchFamily="34" charset="-128"/>
+                    <a:latin typeface="Source Code Pro" panose="020B0309030403020204" pitchFamily="49" charset="0"/>
+                    <a:ea typeface="Source Code Pro" panose="020B0309030403020204" pitchFamily="49" charset="0"/>
                   </a:rPr>
                   <a:t>stdio.h</a:t>
                 </a:r>
@@ -5030,8 +5064,8 @@
                     <a:solidFill>
                       <a:schemeClr val="tx1"/>
                     </a:solidFill>
-                    <a:latin typeface="Noto Sans JP" panose="020B0500000000000000" pitchFamily="34" charset="-128"/>
-                    <a:ea typeface="Noto Sans JP" panose="020B0500000000000000" pitchFamily="34" charset="-128"/>
+                    <a:latin typeface="Source Code Pro" panose="020B0309030403020204" pitchFamily="49" charset="0"/>
+                    <a:ea typeface="Source Code Pro" panose="020B0309030403020204" pitchFamily="49" charset="0"/>
                   </a:rPr>
                   <a:t>&gt;</a:t>
                 </a:r>
@@ -5045,38 +5079,18 @@
                     <a:solidFill>
                       <a:schemeClr val="tx1"/>
                     </a:solidFill>
-                    <a:latin typeface="Noto Sans JP" panose="020B0500000000000000" pitchFamily="34" charset="-128"/>
-                    <a:ea typeface="Noto Sans JP" panose="020B0500000000000000" pitchFamily="34" charset="-128"/>
+                    <a:latin typeface="Source Code Pro" panose="020B0309030403020204" pitchFamily="49" charset="0"/>
+                    <a:ea typeface="Source Code Pro" panose="020B0309030403020204" pitchFamily="49" charset="0"/>
                   </a:rPr>
-                  <a:t>			</a:t>
-                </a:r>
-                <a:r>
-                  <a:rPr lang="ja-JP" altLang="en-US" sz="2000" dirty="0">
-                    <a:solidFill>
-                      <a:schemeClr val="tx1"/>
-                    </a:solidFill>
-                    <a:latin typeface="Noto Sans JP" panose="020B0500000000000000" pitchFamily="34" charset="-128"/>
-                    <a:ea typeface="Noto Sans JP" panose="020B0500000000000000" pitchFamily="34" charset="-128"/>
-                  </a:rPr>
-                  <a:t>　　</a:t>
-                </a:r>
-                <a:r>
-                  <a:rPr lang="en-US" altLang="ja-JP" sz="2000" dirty="0">
-                    <a:solidFill>
-                      <a:schemeClr val="tx1"/>
-                    </a:solidFill>
-                    <a:latin typeface="Noto Sans JP" panose="020B0500000000000000" pitchFamily="34" charset="-128"/>
-                    <a:ea typeface="Noto Sans JP" panose="020B0500000000000000" pitchFamily="34" charset="-128"/>
-                  </a:rPr>
-                  <a:t>int main(int </a:t>
+                  <a:t>		     int main(int </a:t>
                 </a:r>
                 <a:r>
                   <a:rPr lang="en-US" altLang="ja-JP" sz="2000" dirty="0" err="1">
                     <a:solidFill>
                       <a:schemeClr val="tx1"/>
                     </a:solidFill>
-                    <a:latin typeface="Noto Sans JP" panose="020B0500000000000000" pitchFamily="34" charset="-128"/>
-                    <a:ea typeface="Noto Sans JP" panose="020B0500000000000000" pitchFamily="34" charset="-128"/>
+                    <a:latin typeface="Source Code Pro" panose="020B0309030403020204" pitchFamily="49" charset="0"/>
+                    <a:ea typeface="Source Code Pro" panose="020B0309030403020204" pitchFamily="49" charset="0"/>
                   </a:rPr>
                   <a:t>argc</a:t>
                 </a:r>
@@ -5085,8 +5099,8 @@
                     <a:solidFill>
                       <a:schemeClr val="tx1"/>
                     </a:solidFill>
-                    <a:latin typeface="Noto Sans JP" panose="020B0500000000000000" pitchFamily="34" charset="-128"/>
-                    <a:ea typeface="Noto Sans JP" panose="020B0500000000000000" pitchFamily="34" charset="-128"/>
+                    <a:latin typeface="Source Code Pro" panose="020B0309030403020204" pitchFamily="49" charset="0"/>
+                    <a:ea typeface="Source Code Pro" panose="020B0309030403020204" pitchFamily="49" charset="0"/>
                   </a:rPr>
                   <a:t>, char **</a:t>
                 </a:r>
@@ -5095,8 +5109,8 @@
                     <a:solidFill>
                       <a:schemeClr val="tx1"/>
                     </a:solidFill>
-                    <a:latin typeface="Noto Sans JP" panose="020B0500000000000000" pitchFamily="34" charset="-128"/>
-                    <a:ea typeface="Noto Sans JP" panose="020B0500000000000000" pitchFamily="34" charset="-128"/>
+                    <a:latin typeface="Source Code Pro" panose="020B0309030403020204" pitchFamily="49" charset="0"/>
+                    <a:ea typeface="Source Code Pro" panose="020B0309030403020204" pitchFamily="49" charset="0"/>
                   </a:rPr>
                   <a:t>argv</a:t>
                 </a:r>
@@ -5105,8 +5119,8 @@
                     <a:solidFill>
                       <a:schemeClr val="tx1"/>
                     </a:solidFill>
-                    <a:latin typeface="Noto Sans JP" panose="020B0500000000000000" pitchFamily="34" charset="-128"/>
-                    <a:ea typeface="Noto Sans JP" panose="020B0500000000000000" pitchFamily="34" charset="-128"/>
+                    <a:latin typeface="Source Code Pro" panose="020B0309030403020204" pitchFamily="49" charset="0"/>
+                    <a:ea typeface="Source Code Pro" panose="020B0309030403020204" pitchFamily="49" charset="0"/>
                   </a:rPr>
                   <a:t>) {</a:t>
                 </a:r>
@@ -5120,18 +5134,18 @@
                     <a:solidFill>
                       <a:schemeClr val="tx1"/>
                     </a:solidFill>
-                    <a:latin typeface="Noto Sans JP" panose="020B0500000000000000" pitchFamily="34" charset="-128"/>
-                    <a:ea typeface="Noto Sans JP" panose="020B0500000000000000" pitchFamily="34" charset="-128"/>
+                    <a:latin typeface="Source Code Pro" panose="020B0309030403020204" pitchFamily="49" charset="0"/>
+                    <a:ea typeface="Source Code Pro" panose="020B0309030403020204" pitchFamily="49" charset="0"/>
                   </a:rPr>
-                  <a:t>				</a:t>
+                  <a:t>		         </a:t>
                 </a:r>
                 <a:r>
                   <a:rPr lang="en-US" altLang="ja-JP" sz="2000" dirty="0" err="1">
                     <a:solidFill>
                       <a:schemeClr val="tx1"/>
                     </a:solidFill>
-                    <a:latin typeface="Noto Sans JP" panose="020B0500000000000000" pitchFamily="34" charset="-128"/>
-                    <a:ea typeface="Noto Sans JP" panose="020B0500000000000000" pitchFamily="34" charset="-128"/>
+                    <a:latin typeface="Source Code Pro" panose="020B0309030403020204" pitchFamily="49" charset="0"/>
+                    <a:ea typeface="Source Code Pro" panose="020B0309030403020204" pitchFamily="49" charset="0"/>
                   </a:rPr>
                   <a:t>printf</a:t>
                 </a:r>
@@ -5140,8 +5154,8 @@
                     <a:solidFill>
                       <a:schemeClr val="tx1"/>
                     </a:solidFill>
-                    <a:latin typeface="Noto Sans JP" panose="020B0500000000000000" pitchFamily="34" charset="-128"/>
-                    <a:ea typeface="Noto Sans JP" panose="020B0500000000000000" pitchFamily="34" charset="-128"/>
+                    <a:latin typeface="Source Code Pro" panose="020B0309030403020204" pitchFamily="49" charset="0"/>
+                    <a:ea typeface="Source Code Pro" panose="020B0309030403020204" pitchFamily="49" charset="0"/>
                   </a:rPr>
                   <a:t>(“hello world\n”);</a:t>
                 </a:r>
@@ -5155,10 +5169,10 @@
                     <a:solidFill>
                       <a:schemeClr val="tx1"/>
                     </a:solidFill>
-                    <a:latin typeface="Noto Sans JP" panose="020B0500000000000000" pitchFamily="34" charset="-128"/>
-                    <a:ea typeface="Noto Sans JP" panose="020B0500000000000000" pitchFamily="34" charset="-128"/>
+                    <a:latin typeface="Source Code Pro" panose="020B0309030403020204" pitchFamily="49" charset="0"/>
+                    <a:ea typeface="Source Code Pro" panose="020B0309030403020204" pitchFamily="49" charset="0"/>
                   </a:rPr>
-                  <a:t>			         }</a:t>
+                  <a:t>		     }</a:t>
                 </a:r>
               </a:p>
               <a:p>
@@ -5180,7 +5194,7 @@
                       <a:srgbClr val="355D7E"/>
                     </a:solidFill>
                   </a:rPr>
-                  <a:t>字は紺色が好み（河原先生の影響）</a:t>
+                  <a:t>字は紺色が好み</a:t>
                 </a:r>
                 <a:endParaRPr lang="en-US" altLang="ja-JP" dirty="0">
                   <a:solidFill>
@@ -5274,8 +5288,8 @@
         </p:nvSpPr>
         <p:spPr>
           <a:xfrm>
-            <a:off x="4124633" y="3694472"/>
-            <a:ext cx="3864078" cy="1683774"/>
+            <a:off x="3506044" y="3655784"/>
+            <a:ext cx="5179911" cy="1683774"/>
           </a:xfrm>
           <a:prstGeom prst="rect">
             <a:avLst/>
